--- a/src/site/HBase查询语言.pptx
+++ b/src/site/HBase查询语言.pptx
@@ -9,6 +9,8 @@
     <p:sldId id="257" r:id="rId3"/>
     <p:sldId id="258" r:id="rId4"/>
     <p:sldId id="259" r:id="rId5"/>
+    <p:sldId id="260" r:id="rId6"/>
+    <p:sldId id="261" r:id="rId7"/>
   </p:sldIdLst>
   <p:sldSz cx="9144000" cy="6858000" type="screen4x3"/>
   <p:notesSz cx="6858000" cy="9144000"/>
@@ -334,7 +336,7 @@
           <a:p>
             <a:fld id="{03CEC41E-48BD-4881-B6FF-D82EEBBCD904}" type="datetimeFigureOut">
               <a:rPr lang="en-US" smtClean="0"/>
-              <a:t>13-10-9</a:t>
+              <a:t>13-10-12</a:t>
             </a:fld>
             <a:endParaRPr lang="en-US"/>
           </a:p>
@@ -651,7 +653,7 @@
           <a:p>
             <a:fld id="{03CEC41E-48BD-4881-B6FF-D82EEBBCD904}" type="datetimeFigureOut">
               <a:rPr lang="en-US" smtClean="0"/>
-              <a:t>13-10-9</a:t>
+              <a:t>13-10-12</a:t>
             </a:fld>
             <a:endParaRPr lang="en-US"/>
           </a:p>
@@ -880,7 +882,7 @@
           <a:p>
             <a:fld id="{03CEC41E-48BD-4881-B6FF-D82EEBBCD904}" type="datetimeFigureOut">
               <a:rPr lang="en-US" smtClean="0"/>
-              <a:t>13-10-9</a:t>
+              <a:t>13-10-12</a:t>
             </a:fld>
             <a:endParaRPr lang="en-US"/>
           </a:p>
@@ -1201,7 +1203,7 @@
           <a:p>
             <a:fld id="{03CEC41E-48BD-4881-B6FF-D82EEBBCD904}" type="datetimeFigureOut">
               <a:rPr lang="en-US" smtClean="0"/>
-              <a:t>13-10-9</a:t>
+              <a:t>13-10-12</a:t>
             </a:fld>
             <a:endParaRPr lang="en-US"/>
           </a:p>
@@ -1394,7 +1396,7 @@
           <a:p>
             <a:fld id="{03CEC41E-48BD-4881-B6FF-D82EEBBCD904}" type="datetimeFigureOut">
               <a:rPr lang="en-US" smtClean="0"/>
-              <a:t>13-10-9</a:t>
+              <a:t>13-10-12</a:t>
             </a:fld>
             <a:endParaRPr lang="en-US"/>
           </a:p>
@@ -1563,7 +1565,7 @@
           <a:p>
             <a:fld id="{03CEC41E-48BD-4881-B6FF-D82EEBBCD904}" type="datetimeFigureOut">
               <a:rPr lang="en-US" smtClean="0"/>
-              <a:t>13-10-9</a:t>
+              <a:t>13-10-12</a:t>
             </a:fld>
             <a:endParaRPr lang="en-US"/>
           </a:p>
@@ -1822,7 +1824,7 @@
           <a:p>
             <a:fld id="{03CEC41E-48BD-4881-B6FF-D82EEBBCD904}" type="datetimeFigureOut">
               <a:rPr lang="en-US" smtClean="0"/>
-              <a:t>13-10-9</a:t>
+              <a:t>13-10-12</a:t>
             </a:fld>
             <a:endParaRPr lang="en-US"/>
           </a:p>
@@ -2152,7 +2154,7 @@
           <a:p>
             <a:fld id="{03CEC41E-48BD-4881-B6FF-D82EEBBCD904}" type="datetimeFigureOut">
               <a:rPr lang="en-US" smtClean="0"/>
-              <a:t>13-10-9</a:t>
+              <a:t>13-10-12</a:t>
             </a:fld>
             <a:endParaRPr lang="en-US"/>
           </a:p>
@@ -2444,7 +2446,7 @@
           <a:p>
             <a:fld id="{03CEC41E-48BD-4881-B6FF-D82EEBBCD904}" type="datetimeFigureOut">
               <a:rPr lang="en-US" smtClean="0"/>
-              <a:t>13-10-9</a:t>
+              <a:t>13-10-12</a:t>
             </a:fld>
             <a:endParaRPr lang="en-US"/>
           </a:p>
@@ -2880,7 +2882,7 @@
           <a:p>
             <a:fld id="{03CEC41E-48BD-4881-B6FF-D82EEBBCD904}" type="datetimeFigureOut">
               <a:rPr lang="en-US" smtClean="0"/>
-              <a:t>13-10-9</a:t>
+              <a:t>13-10-12</a:t>
             </a:fld>
             <a:endParaRPr lang="en-US"/>
           </a:p>
@@ -2993,7 +2995,7 @@
           <a:p>
             <a:fld id="{03CEC41E-48BD-4881-B6FF-D82EEBBCD904}" type="datetimeFigureOut">
               <a:rPr lang="en-US" smtClean="0"/>
-              <a:t>13-10-9</a:t>
+              <a:t>13-10-12</a:t>
             </a:fld>
             <a:endParaRPr lang="en-US"/>
           </a:p>
@@ -3088,7 +3090,7 @@
           <a:p>
             <a:fld id="{03CEC41E-48BD-4881-B6FF-D82EEBBCD904}" type="datetimeFigureOut">
               <a:rPr lang="en-US" smtClean="0"/>
-              <a:t>13-10-9</a:t>
+              <a:t>13-10-12</a:t>
             </a:fld>
             <a:endParaRPr lang="en-US"/>
           </a:p>
@@ -3404,7 +3406,7 @@
           <a:p>
             <a:fld id="{03CEC41E-48BD-4881-B6FF-D82EEBBCD904}" type="datetimeFigureOut">
               <a:rPr lang="en-US" smtClean="0"/>
-              <a:t>13-10-9</a:t>
+              <a:t>13-10-12</a:t>
             </a:fld>
             <a:endParaRPr lang="en-US"/>
           </a:p>
@@ -3632,7 +3634,7 @@
           <a:p>
             <a:fld id="{03CEC41E-48BD-4881-B6FF-D82EEBBCD904}" type="datetimeFigureOut">
               <a:rPr lang="en-US" smtClean="0"/>
-              <a:t>13-10-9</a:t>
+              <a:t>13-10-12</a:t>
             </a:fld>
             <a:endParaRPr lang="en-US"/>
           </a:p>
@@ -4269,7 +4271,7 @@
         </p:nvSpPr>
         <p:spPr>
           <a:xfrm>
-            <a:off x="1981200" y="3289300"/>
+            <a:off x="1638300" y="3289300"/>
             <a:ext cx="914400" cy="914400"/>
           </a:xfrm>
           <a:prstGeom prst="rect">
@@ -4315,7 +4317,7 @@
         </p:nvSpPr>
         <p:spPr>
           <a:xfrm>
-            <a:off x="3492500" y="3289300"/>
+            <a:off x="3035300" y="3289300"/>
             <a:ext cx="914400" cy="914400"/>
           </a:xfrm>
           <a:prstGeom prst="rect">
@@ -4357,7 +4359,7 @@
         </p:nvSpPr>
         <p:spPr>
           <a:xfrm>
-            <a:off x="4965700" y="3289300"/>
+            <a:off x="4318000" y="3289300"/>
             <a:ext cx="914400" cy="914400"/>
           </a:xfrm>
           <a:prstGeom prst="rect">
@@ -4399,7 +4401,7 @@
         </p:nvSpPr>
         <p:spPr>
           <a:xfrm>
-            <a:off x="6426200" y="3289300"/>
+            <a:off x="6756400" y="3289300"/>
             <a:ext cx="914400" cy="914400"/>
           </a:xfrm>
           <a:prstGeom prst="rect">
@@ -4554,6 +4556,48 @@
             <a:r>
               <a:rPr kumimoji="1" lang="zh-CN" altLang="en-US" dirty="0" smtClean="0"/>
               <a:t>服务端</a:t>
+            </a:r>
+            <a:endParaRPr kumimoji="1" lang="zh-CN" altLang="en-US" dirty="0"/>
+          </a:p>
+        </p:txBody>
+      </p:sp>
+      <p:sp>
+        <p:nvSpPr>
+          <p:cNvPr id="13" name="矩形 12"/>
+          <p:cNvSpPr/>
+          <p:nvPr/>
+        </p:nvSpPr>
+        <p:spPr>
+          <a:xfrm>
+            <a:off x="5588000" y="3289300"/>
+            <a:ext cx="914400" cy="914400"/>
+          </a:xfrm>
+          <a:prstGeom prst="rect">
+            <a:avLst/>
+          </a:prstGeom>
+        </p:spPr>
+        <p:style>
+          <a:lnRef idx="1">
+            <a:schemeClr val="accent1"/>
+          </a:lnRef>
+          <a:fillRef idx="3">
+            <a:schemeClr val="accent1"/>
+          </a:fillRef>
+          <a:effectRef idx="2">
+            <a:schemeClr val="accent1"/>
+          </a:effectRef>
+          <a:fontRef idx="minor">
+            <a:schemeClr val="lt1"/>
+          </a:fontRef>
+        </p:style>
+        <p:txBody>
+          <a:bodyPr rtlCol="0" anchor="ctr"/>
+          <a:lstStyle/>
+          <a:p>
+            <a:pPr algn="ctr"/>
+            <a:r>
+              <a:rPr kumimoji="1" lang="zh-CN" altLang="en-US" dirty="0" smtClean="0"/>
+              <a:t>查询优化器</a:t>
             </a:r>
             <a:endParaRPr kumimoji="1" lang="zh-CN" altLang="en-US" dirty="0"/>
           </a:p>
@@ -4898,6 +4942,303 @@
     <p:extLst>
       <p:ext uri="{BB962C8B-B14F-4D97-AF65-F5344CB8AC3E}">
         <p14:creationId xmlns:p14="http://schemas.microsoft.com/office/powerpoint/2010/main" val="283145253"/>
+      </p:ext>
+    </p:extLst>
+  </p:cSld>
+  <p:clrMapOvr>
+    <a:masterClrMapping/>
+  </p:clrMapOvr>
+</p:sld>
+</file>
+
+<file path=ppt/slides/slide5.xml><?xml version="1.0" encoding="utf-8"?>
+<p:sld xmlns:a="http://schemas.openxmlformats.org/drawingml/2006/main" xmlns:r="http://schemas.openxmlformats.org/officeDocument/2006/relationships" xmlns:p="http://schemas.openxmlformats.org/presentationml/2006/main">
+  <p:cSld>
+    <p:spTree>
+      <p:nvGrpSpPr>
+        <p:cNvPr id="1" name=""/>
+        <p:cNvGrpSpPr/>
+        <p:nvPr/>
+      </p:nvGrpSpPr>
+      <p:grpSpPr>
+        <a:xfrm>
+          <a:off x="0" y="0"/>
+          <a:ext cx="0" cy="0"/>
+          <a:chOff x="0" y="0"/>
+          <a:chExt cx="0" cy="0"/>
+        </a:xfrm>
+      </p:grpSpPr>
+      <p:sp>
+        <p:nvSpPr>
+          <p:cNvPr id="2" name="标题 1"/>
+          <p:cNvSpPr>
+            <a:spLocks noGrp="1"/>
+          </p:cNvSpPr>
+          <p:nvPr>
+            <p:ph type="title"/>
+          </p:nvPr>
+        </p:nvSpPr>
+        <p:spPr/>
+        <p:txBody>
+          <a:bodyPr/>
+          <a:lstStyle/>
+          <a:p>
+            <a:r>
+              <a:rPr kumimoji="1" lang="en-US" altLang="en-US" dirty="0" smtClean="0"/>
+              <a:t>接入层设计</a:t>
+            </a:r>
+            <a:endParaRPr kumimoji="1" lang="zh-CN" altLang="en-US" dirty="0"/>
+          </a:p>
+        </p:txBody>
+      </p:sp>
+      <p:sp>
+        <p:nvSpPr>
+          <p:cNvPr id="3" name="内容占位符 2"/>
+          <p:cNvSpPr>
+            <a:spLocks noGrp="1"/>
+          </p:cNvSpPr>
+          <p:nvPr>
+            <p:ph idx="1"/>
+          </p:nvPr>
+        </p:nvSpPr>
+        <p:spPr/>
+        <p:txBody>
+          <a:bodyPr/>
+          <a:lstStyle/>
+          <a:p>
+            <a:r>
+              <a:rPr kumimoji="1" lang="zh-CN" altLang="en-US" dirty="0" smtClean="0"/>
+              <a:t>两种方式：</a:t>
+            </a:r>
+            <a:r>
+              <a:rPr kumimoji="1" lang="en-US" altLang="zh-CN" dirty="0" err="1" smtClean="0"/>
+              <a:t>jdbc</a:t>
+            </a:r>
+            <a:r>
+              <a:rPr kumimoji="1" lang="zh-CN" altLang="en-US" dirty="0" smtClean="0"/>
+              <a:t>、</a:t>
+            </a:r>
+            <a:r>
+              <a:rPr kumimoji="1" lang="en-US" altLang="zh-CN" dirty="0" smtClean="0"/>
+              <a:t>rest</a:t>
+            </a:r>
+          </a:p>
+          <a:p>
+            <a:r>
+              <a:rPr kumimoji="1" lang="en-US" altLang="zh-CN" dirty="0" err="1" smtClean="0"/>
+              <a:t>jdbc</a:t>
+            </a:r>
+            <a:r>
+              <a:rPr kumimoji="1" lang="zh-CN" altLang="en-US" dirty="0" smtClean="0"/>
+              <a:t>实现：</a:t>
+            </a:r>
+            <a:r>
+              <a:rPr kumimoji="1" lang="en-US" altLang="zh-CN" dirty="0" smtClean="0"/>
+              <a:t>connect</a:t>
+            </a:r>
+            <a:r>
+              <a:rPr kumimoji="1" lang="zh-CN" altLang="en-US" dirty="0" smtClean="0"/>
+              <a:t>通过通讯服务器连接</a:t>
+            </a:r>
+            <a:r>
+              <a:rPr kumimoji="1" lang="en-US" altLang="zh-CN" dirty="0" smtClean="0"/>
+              <a:t>Server</a:t>
+            </a:r>
+            <a:r>
+              <a:rPr kumimoji="1" lang="zh-CN" altLang="en-US" dirty="0" smtClean="0"/>
+              <a:t>建立连接</a:t>
+            </a:r>
+            <a:endParaRPr kumimoji="1" lang="en-US" altLang="zh-CN" dirty="0" smtClean="0"/>
+          </a:p>
+          <a:p>
+            <a:r>
+              <a:rPr kumimoji="1" lang="zh-CN" altLang="en-US" dirty="0" smtClean="0"/>
+              <a:t>实现</a:t>
+            </a:r>
+            <a:r>
+              <a:rPr kumimoji="1" lang="en-US" altLang="zh-CN" dirty="0" smtClean="0"/>
+              <a:t>statement</a:t>
+            </a:r>
+            <a:r>
+              <a:rPr kumimoji="1" lang="zh-CN" altLang="en-US" dirty="0" smtClean="0"/>
+              <a:t>和</a:t>
+            </a:r>
+            <a:r>
+              <a:rPr kumimoji="1" lang="en-US" altLang="zh-CN" dirty="0" err="1" smtClean="0"/>
+              <a:t>prepareStatement</a:t>
+            </a:r>
+            <a:endParaRPr kumimoji="1" lang="en-US" altLang="zh-CN" dirty="0" smtClean="0"/>
+          </a:p>
+          <a:p>
+            <a:r>
+              <a:rPr kumimoji="1" lang="zh-CN" altLang="en-US" dirty="0" smtClean="0"/>
+              <a:t>通信：目前几种比较主流的通信服务器：</a:t>
+            </a:r>
+            <a:endParaRPr kumimoji="1" lang="en-US" altLang="zh-CN" dirty="0" smtClean="0"/>
+          </a:p>
+          <a:p>
+            <a:pPr lvl="1"/>
+            <a:r>
+              <a:rPr kumimoji="1" lang="en-US" altLang="zh-CN" dirty="0"/>
+              <a:t>p</a:t>
+            </a:r>
+            <a:r>
+              <a:rPr kumimoji="1" lang="en-US" altLang="zh-CN" dirty="0" smtClean="0"/>
+              <a:t>rotocol buffers</a:t>
+            </a:r>
+          </a:p>
+          <a:p>
+            <a:pPr lvl="1">
+              <a:buFont typeface="Wingdings" charset="2"/>
+              <a:buChar char="ü"/>
+            </a:pPr>
+            <a:r>
+              <a:rPr kumimoji="1" lang="en-US" altLang="zh-CN" dirty="0" err="1"/>
+              <a:t>a</a:t>
+            </a:r>
+            <a:r>
+              <a:rPr kumimoji="1" lang="en-US" altLang="zh-CN" dirty="0" err="1" smtClean="0"/>
+              <a:t>vro</a:t>
+            </a:r>
+            <a:endParaRPr kumimoji="1" lang="en-US" altLang="zh-CN" dirty="0" smtClean="0"/>
+          </a:p>
+          <a:p>
+            <a:pPr lvl="1"/>
+            <a:r>
+              <a:rPr kumimoji="1" lang="en-US" altLang="zh-CN" dirty="0" smtClean="0"/>
+              <a:t>thrift</a:t>
+            </a:r>
+          </a:p>
+        </p:txBody>
+      </p:sp>
+    </p:spTree>
+    <p:extLst>
+      <p:ext uri="{BB962C8B-B14F-4D97-AF65-F5344CB8AC3E}">
+        <p14:creationId xmlns:p14="http://schemas.microsoft.com/office/powerpoint/2010/main" val="3739719157"/>
+      </p:ext>
+    </p:extLst>
+  </p:cSld>
+  <p:clrMapOvr>
+    <a:masterClrMapping/>
+  </p:clrMapOvr>
+</p:sld>
+</file>
+
+<file path=ppt/slides/slide6.xml><?xml version="1.0" encoding="utf-8"?>
+<p:sld xmlns:a="http://schemas.openxmlformats.org/drawingml/2006/main" xmlns:r="http://schemas.openxmlformats.org/officeDocument/2006/relationships" xmlns:p="http://schemas.openxmlformats.org/presentationml/2006/main">
+  <p:cSld>
+    <p:spTree>
+      <p:nvGrpSpPr>
+        <p:cNvPr id="1" name=""/>
+        <p:cNvGrpSpPr/>
+        <p:nvPr/>
+      </p:nvGrpSpPr>
+      <p:grpSpPr>
+        <a:xfrm>
+          <a:off x="0" y="0"/>
+          <a:ext cx="0" cy="0"/>
+          <a:chOff x="0" y="0"/>
+          <a:chExt cx="0" cy="0"/>
+        </a:xfrm>
+      </p:grpSpPr>
+      <p:sp>
+        <p:nvSpPr>
+          <p:cNvPr id="2" name="标题 1"/>
+          <p:cNvSpPr>
+            <a:spLocks noGrp="1"/>
+          </p:cNvSpPr>
+          <p:nvPr>
+            <p:ph type="title"/>
+          </p:nvPr>
+        </p:nvSpPr>
+        <p:spPr/>
+        <p:txBody>
+          <a:bodyPr/>
+          <a:lstStyle/>
+          <a:p>
+            <a:r>
+              <a:rPr kumimoji="1" lang="en-US" altLang="zh-CN" dirty="0" smtClean="0"/>
+              <a:t>SQL</a:t>
+            </a:r>
+            <a:r>
+              <a:rPr kumimoji="1" lang="zh-CN" altLang="en-US" dirty="0" smtClean="0"/>
+              <a:t>语法解析</a:t>
+            </a:r>
+            <a:endParaRPr kumimoji="1" lang="zh-CN" altLang="en-US" dirty="0"/>
+          </a:p>
+        </p:txBody>
+      </p:sp>
+      <p:sp>
+        <p:nvSpPr>
+          <p:cNvPr id="3" name="内容占位符 2"/>
+          <p:cNvSpPr>
+            <a:spLocks noGrp="1"/>
+          </p:cNvSpPr>
+          <p:nvPr>
+            <p:ph idx="1"/>
+          </p:nvPr>
+        </p:nvSpPr>
+        <p:spPr/>
+        <p:txBody>
+          <a:bodyPr/>
+          <a:lstStyle/>
+          <a:p>
+            <a:r>
+              <a:rPr kumimoji="1" lang="zh-CN" altLang="en-US" dirty="0" smtClean="0"/>
+              <a:t>基于</a:t>
+            </a:r>
+            <a:r>
+              <a:rPr kumimoji="1" lang="en-US" altLang="zh-CN" dirty="0" err="1" smtClean="0"/>
+              <a:t>jsqlparser</a:t>
+            </a:r>
+            <a:r>
+              <a:rPr kumimoji="1" lang="en-US" altLang="zh-CN" dirty="0" smtClean="0"/>
+              <a:t>,</a:t>
+            </a:r>
+            <a:r>
+              <a:rPr kumimoji="1" lang="zh-CN" altLang="en-US" dirty="0" smtClean="0"/>
+              <a:t>一个开源在</a:t>
+            </a:r>
+            <a:r>
+              <a:rPr kumimoji="1" lang="en-US" altLang="zh-CN" dirty="0" err="1" smtClean="0"/>
+              <a:t>git</a:t>
+            </a:r>
+            <a:r>
+              <a:rPr kumimoji="1" lang="zh-CN" altLang="en-US" dirty="0" smtClean="0"/>
+              <a:t>上维护的</a:t>
+            </a:r>
+            <a:r>
+              <a:rPr kumimoji="1" lang="en-US" altLang="zh-CN" dirty="0" smtClean="0"/>
+              <a:t>SQL</a:t>
+            </a:r>
+            <a:r>
+              <a:rPr kumimoji="1" lang="zh-CN" altLang="en-US" dirty="0" smtClean="0"/>
+              <a:t>语法解析，将</a:t>
+            </a:r>
+            <a:r>
+              <a:rPr kumimoji="1" lang="en-US" altLang="zh-CN" dirty="0" err="1" smtClean="0"/>
+              <a:t>sql</a:t>
+            </a:r>
+            <a:r>
+              <a:rPr kumimoji="1" lang="zh-CN" altLang="en-US" dirty="0" smtClean="0"/>
+              <a:t>语句解析成</a:t>
+            </a:r>
+            <a:r>
+              <a:rPr kumimoji="1" lang="en-US" altLang="zh-CN" dirty="0" smtClean="0"/>
+              <a:t>java</a:t>
+            </a:r>
+            <a:r>
+              <a:rPr kumimoji="1" lang="zh-CN" altLang="en-US" dirty="0" smtClean="0"/>
+              <a:t>对象</a:t>
+            </a:r>
+            <a:endParaRPr kumimoji="1" lang="zh-CN" altLang="en-US" dirty="0"/>
+          </a:p>
+        </p:txBody>
+      </p:sp>
+    </p:spTree>
+    <p:extLst>
+      <p:ext uri="{BB962C8B-B14F-4D97-AF65-F5344CB8AC3E}">
+        <p14:creationId xmlns:p14="http://schemas.microsoft.com/office/powerpoint/2010/main" val="201231040"/>
       </p:ext>
     </p:extLst>
   </p:cSld>
